--- a/Presentation 1.pptx
+++ b/Presentation 1.pptx
@@ -7,6 +7,7 @@
   <p:sldIdLst>
     <p:sldId id="256" r:id="rId2"/>
     <p:sldId id="257" r:id="rId3"/>
+    <p:sldId id="258" r:id="rId4"/>
   </p:sldIdLst>
   <p:sldSz cx="12087225" cy="4933950"/>
   <p:notesSz cx="6858000" cy="9144000"/>
@@ -252,7 +253,7 @@
           <a:p>
             <a:fld id="{846CE7D5-CF57-46EF-B807-FDD0502418D4}" type="datetimeFigureOut">
               <a:rPr lang="en-US" smtClean="0"/>
-              <a:t>8/11/2025</a:t>
+              <a:t>8/15/2025</a:t>
             </a:fld>
             <a:endParaRPr lang="en-US"/>
           </a:p>
@@ -422,7 +423,7 @@
           <a:p>
             <a:fld id="{846CE7D5-CF57-46EF-B807-FDD0502418D4}" type="datetimeFigureOut">
               <a:rPr lang="en-US" smtClean="0"/>
-              <a:t>8/11/2025</a:t>
+              <a:t>8/15/2025</a:t>
             </a:fld>
             <a:endParaRPr lang="en-US"/>
           </a:p>
@@ -602,7 +603,7 @@
           <a:p>
             <a:fld id="{846CE7D5-CF57-46EF-B807-FDD0502418D4}" type="datetimeFigureOut">
               <a:rPr lang="en-US" smtClean="0"/>
-              <a:t>8/11/2025</a:t>
+              <a:t>8/15/2025</a:t>
             </a:fld>
             <a:endParaRPr lang="en-US"/>
           </a:p>
@@ -772,7 +773,7 @@
           <a:p>
             <a:fld id="{846CE7D5-CF57-46EF-B807-FDD0502418D4}" type="datetimeFigureOut">
               <a:rPr lang="en-US" smtClean="0"/>
-              <a:t>8/11/2025</a:t>
+              <a:t>8/15/2025</a:t>
             </a:fld>
             <a:endParaRPr lang="en-US"/>
           </a:p>
@@ -1018,7 +1019,7 @@
           <a:p>
             <a:fld id="{846CE7D5-CF57-46EF-B807-FDD0502418D4}" type="datetimeFigureOut">
               <a:rPr lang="en-US" smtClean="0"/>
-              <a:t>8/11/2025</a:t>
+              <a:t>8/15/2025</a:t>
             </a:fld>
             <a:endParaRPr lang="en-US"/>
           </a:p>
@@ -1250,7 +1251,7 @@
           <a:p>
             <a:fld id="{846CE7D5-CF57-46EF-B807-FDD0502418D4}" type="datetimeFigureOut">
               <a:rPr lang="en-US" smtClean="0"/>
-              <a:t>8/11/2025</a:t>
+              <a:t>8/15/2025</a:t>
             </a:fld>
             <a:endParaRPr lang="en-US"/>
           </a:p>
@@ -1617,7 +1618,7 @@
           <a:p>
             <a:fld id="{846CE7D5-CF57-46EF-B807-FDD0502418D4}" type="datetimeFigureOut">
               <a:rPr lang="en-US" smtClean="0"/>
-              <a:t>8/11/2025</a:t>
+              <a:t>8/15/2025</a:t>
             </a:fld>
             <a:endParaRPr lang="en-US"/>
           </a:p>
@@ -1735,7 +1736,7 @@
           <a:p>
             <a:fld id="{846CE7D5-CF57-46EF-B807-FDD0502418D4}" type="datetimeFigureOut">
               <a:rPr lang="en-US" smtClean="0"/>
-              <a:t>8/11/2025</a:t>
+              <a:t>8/15/2025</a:t>
             </a:fld>
             <a:endParaRPr lang="en-US"/>
           </a:p>
@@ -1830,7 +1831,7 @@
           <a:p>
             <a:fld id="{846CE7D5-CF57-46EF-B807-FDD0502418D4}" type="datetimeFigureOut">
               <a:rPr lang="en-US" smtClean="0"/>
-              <a:t>8/11/2025</a:t>
+              <a:t>8/15/2025</a:t>
             </a:fld>
             <a:endParaRPr lang="en-US"/>
           </a:p>
@@ -2107,7 +2108,7 @@
           <a:p>
             <a:fld id="{846CE7D5-CF57-46EF-B807-FDD0502418D4}" type="datetimeFigureOut">
               <a:rPr lang="en-US" smtClean="0"/>
-              <a:t>8/11/2025</a:t>
+              <a:t>8/15/2025</a:t>
             </a:fld>
             <a:endParaRPr lang="en-US"/>
           </a:p>
@@ -2364,7 +2365,7 @@
           <a:p>
             <a:fld id="{846CE7D5-CF57-46EF-B807-FDD0502418D4}" type="datetimeFigureOut">
               <a:rPr lang="en-US" smtClean="0"/>
-              <a:t>8/11/2025</a:t>
+              <a:t>8/15/2025</a:t>
             </a:fld>
             <a:endParaRPr lang="en-US"/>
           </a:p>
@@ -2577,7 +2578,7 @@
           <a:p>
             <a:fld id="{846CE7D5-CF57-46EF-B807-FDD0502418D4}" type="datetimeFigureOut">
               <a:rPr lang="en-US" smtClean="0"/>
-              <a:t>8/11/2025</a:t>
+              <a:t>8/15/2025</a:t>
             </a:fld>
             <a:endParaRPr lang="en-US"/>
           </a:p>
@@ -3771,6 +3772,77 @@
 </p:sld>
 </file>
 
+<file path=ppt/slides/slide3.xml><?xml version="1.0" encoding="utf-8"?>
+<p:sld xmlns:a="http://schemas.openxmlformats.org/drawingml/2006/main" xmlns:r="http://schemas.openxmlformats.org/officeDocument/2006/relationships" xmlns:p="http://schemas.openxmlformats.org/presentationml/2006/main">
+  <p:cSld>
+    <p:bg>
+      <p:bgPr>
+        <a:solidFill>
+          <a:schemeClr val="tx1">
+            <a:lumMod val="95000"/>
+            <a:lumOff val="5000"/>
+          </a:schemeClr>
+        </a:solidFill>
+        <a:effectLst/>
+      </p:bgPr>
+    </p:bg>
+    <p:spTree>
+      <p:nvGrpSpPr>
+        <p:cNvPr id="1" name=""/>
+        <p:cNvGrpSpPr/>
+        <p:nvPr/>
+      </p:nvGrpSpPr>
+      <p:grpSpPr>
+        <a:xfrm>
+          <a:off x="0" y="0"/>
+          <a:ext cx="0" cy="0"/>
+          <a:chOff x="0" y="0"/>
+          <a:chExt cx="0" cy="0"/>
+        </a:xfrm>
+      </p:grpSpPr>
+      <p:pic>
+        <p:nvPicPr>
+          <p:cNvPr id="381" name="Picture 380">
+            <a:extLst>
+              <a:ext uri="{FF2B5EF4-FFF2-40B4-BE49-F238E27FC236}">
+                <a16:creationId xmlns:a16="http://schemas.microsoft.com/office/drawing/2014/main" id="{45BCCAA6-412D-497E-EA63-78A8BA219B30}"/>
+              </a:ext>
+            </a:extLst>
+          </p:cNvPr>
+          <p:cNvPicPr>
+            <a:picLocks noChangeAspect="1"/>
+          </p:cNvPicPr>
+          <p:nvPr/>
+        </p:nvPicPr>
+        <p:blipFill>
+          <a:blip r:embed="rId2"/>
+          <a:stretch>
+            <a:fillRect/>
+          </a:stretch>
+        </p:blipFill>
+        <p:spPr>
+          <a:xfrm>
+            <a:off x="1215204" y="0"/>
+            <a:ext cx="9656816" cy="4933950"/>
+          </a:xfrm>
+          <a:prstGeom prst="rect">
+            <a:avLst/>
+          </a:prstGeom>
+        </p:spPr>
+      </p:pic>
+    </p:spTree>
+    <p:extLst>
+      <p:ext uri="{BB962C8B-B14F-4D97-AF65-F5344CB8AC3E}">
+        <p14:creationId xmlns:p14="http://schemas.microsoft.com/office/powerpoint/2010/main" val="2876360736"/>
+      </p:ext>
+    </p:extLst>
+  </p:cSld>
+  <p:clrMapOvr>
+    <a:masterClrMapping/>
+  </p:clrMapOvr>
+</p:sld>
+</file>
+
 <file path=ppt/theme/theme1.xml><?xml version="1.0" encoding="utf-8"?>
 <a:theme xmlns:a="http://schemas.openxmlformats.org/drawingml/2006/main" name="office theme">
   <a:themeElements>

--- a/Presentation 1.pptx
+++ b/Presentation 1.pptx
@@ -3802,10 +3802,10 @@
       </p:grpSpPr>
       <p:pic>
         <p:nvPicPr>
-          <p:cNvPr id="381" name="Picture 380">
+          <p:cNvPr id="2" name="Picture 1">
             <a:extLst>
               <a:ext uri="{FF2B5EF4-FFF2-40B4-BE49-F238E27FC236}">
-                <a16:creationId xmlns:a16="http://schemas.microsoft.com/office/drawing/2014/main" id="{45BCCAA6-412D-497E-EA63-78A8BA219B30}"/>
+                <a16:creationId xmlns:a16="http://schemas.microsoft.com/office/drawing/2014/main" id="{90E9B8DE-435D-F98B-FE41-9F6E9D2DA9A0}"/>
               </a:ext>
             </a:extLst>
           </p:cNvPr>
